--- a/doc/JAVA 課前環境配置.pptx
+++ b/doc/JAVA 課前環境配置.pptx
@@ -13,6 +13,7 @@
     <p:sldId id="263" r:id="rId7"/>
     <p:sldId id="260" r:id="rId8"/>
     <p:sldId id="262" r:id="rId9"/>
+    <p:sldId id="264" r:id="rId10"/>
   </p:sldIdLst>
   <p:sldSz cx="12192000" cy="6858000"/>
   <p:notesSz cx="6858000" cy="9144000"/>
@@ -111,6 +112,11 @@
       </a:defRPr>
     </a:lvl9pPr>
   </p:defaultTextStyle>
+  <p:extLst>
+    <p:ext uri="{EFAFB233-063F-42B5-8137-9DF3F51BA10A}">
+      <p15:sldGuideLst xmlns:p15="http://schemas.microsoft.com/office/powerpoint/2012/main"/>
+    </p:ext>
+  </p:extLst>
 </p:presentation>
 </file>
 
@@ -340,7 +346,7 @@
           <a:p>
             <a:fld id="{6F33BF32-AF61-4545-BA53-39533677078F}" type="datetimeFigureOut">
               <a:rPr lang="zh-TW" altLang="en-US" smtClean="0"/>
-              <a:t>2022/3/4</a:t>
+              <a:t>2022/3/28</a:t>
             </a:fld>
             <a:endParaRPr lang="zh-TW" altLang="en-US"/>
           </a:p>
@@ -548,7 +554,7 @@
           <a:p>
             <a:fld id="{6F33BF32-AF61-4545-BA53-39533677078F}" type="datetimeFigureOut">
               <a:rPr lang="zh-TW" altLang="en-US" smtClean="0"/>
-              <a:t>2022/3/4</a:t>
+              <a:t>2022/3/28</a:t>
             </a:fld>
             <a:endParaRPr lang="zh-TW" altLang="en-US"/>
           </a:p>
@@ -804,7 +810,7 @@
           <a:p>
             <a:fld id="{6F33BF32-AF61-4545-BA53-39533677078F}" type="datetimeFigureOut">
               <a:rPr lang="zh-TW" altLang="en-US" smtClean="0"/>
-              <a:t>2022/3/4</a:t>
+              <a:t>2022/3/28</a:t>
             </a:fld>
             <a:endParaRPr lang="zh-TW" altLang="en-US"/>
           </a:p>
@@ -978,7 +984,7 @@
           <a:p>
             <a:fld id="{6F33BF32-AF61-4545-BA53-39533677078F}" type="datetimeFigureOut">
               <a:rPr lang="zh-TW" altLang="en-US" smtClean="0"/>
-              <a:t>2022/3/4</a:t>
+              <a:t>2022/3/28</a:t>
             </a:fld>
             <a:endParaRPr lang="zh-TW" altLang="en-US"/>
           </a:p>
@@ -1321,7 +1327,7 @@
           <a:p>
             <a:fld id="{6F33BF32-AF61-4545-BA53-39533677078F}" type="datetimeFigureOut">
               <a:rPr lang="zh-TW" altLang="en-US" smtClean="0"/>
-              <a:t>2022/3/4</a:t>
+              <a:t>2022/3/28</a:t>
             </a:fld>
             <a:endParaRPr lang="zh-TW" altLang="en-US"/>
           </a:p>
@@ -1596,7 +1602,7 @@
           <a:p>
             <a:fld id="{6F33BF32-AF61-4545-BA53-39533677078F}" type="datetimeFigureOut">
               <a:rPr lang="zh-TW" altLang="en-US" smtClean="0"/>
-              <a:t>2022/3/4</a:t>
+              <a:t>2022/3/28</a:t>
             </a:fld>
             <a:endParaRPr lang="zh-TW" altLang="en-US"/>
           </a:p>
@@ -1975,7 +1981,7 @@
           <a:p>
             <a:fld id="{6F33BF32-AF61-4545-BA53-39533677078F}" type="datetimeFigureOut">
               <a:rPr lang="zh-TW" altLang="en-US" smtClean="0"/>
-              <a:t>2022/3/4</a:t>
+              <a:t>2022/3/28</a:t>
             </a:fld>
             <a:endParaRPr lang="zh-TW" altLang="en-US"/>
           </a:p>
@@ -2093,7 +2099,7 @@
           <a:p>
             <a:fld id="{6F33BF32-AF61-4545-BA53-39533677078F}" type="datetimeFigureOut">
               <a:rPr lang="zh-TW" altLang="en-US" smtClean="0"/>
-              <a:t>2022/3/4</a:t>
+              <a:t>2022/3/28</a:t>
             </a:fld>
             <a:endParaRPr lang="zh-TW" altLang="en-US"/>
           </a:p>
@@ -2264,7 +2270,7 @@
           <a:p>
             <a:fld id="{6F33BF32-AF61-4545-BA53-39533677078F}" type="datetimeFigureOut">
               <a:rPr lang="zh-TW" altLang="en-US" smtClean="0"/>
-              <a:t>2022/3/4</a:t>
+              <a:t>2022/3/28</a:t>
             </a:fld>
             <a:endParaRPr lang="zh-TW" altLang="en-US"/>
           </a:p>
@@ -2618,7 +2624,7 @@
           <a:p>
             <a:fld id="{6F33BF32-AF61-4545-BA53-39533677078F}" type="datetimeFigureOut">
               <a:rPr lang="zh-TW" altLang="en-US" smtClean="0"/>
-              <a:t>2022/3/4</a:t>
+              <a:t>2022/3/28</a:t>
             </a:fld>
             <a:endParaRPr lang="zh-TW" altLang="en-US"/>
           </a:p>
@@ -3000,7 +3006,7 @@
           <a:p>
             <a:fld id="{6F33BF32-AF61-4545-BA53-39533677078F}" type="datetimeFigureOut">
               <a:rPr lang="zh-TW" altLang="en-US" smtClean="0"/>
-              <a:t>2022/3/4</a:t>
+              <a:t>2022/3/28</a:t>
             </a:fld>
             <a:endParaRPr lang="zh-TW" altLang="en-US"/>
           </a:p>
@@ -3287,7 +3293,7 @@
           <a:p>
             <a:fld id="{6F33BF32-AF61-4545-BA53-39533677078F}" type="datetimeFigureOut">
               <a:rPr lang="zh-TW" altLang="en-US" smtClean="0"/>
-              <a:t>2022/3/4</a:t>
+              <a:t>2022/3/28</a:t>
             </a:fld>
             <a:endParaRPr lang="zh-TW" altLang="en-US"/>
           </a:p>
@@ -5120,6 +5126,142 @@
 </p:sld>
 </file>
 
+<file path=ppt/slides/slide9.xml><?xml version="1.0" encoding="utf-8"?>
+<p:sld xmlns:a="http://schemas.openxmlformats.org/drawingml/2006/main" xmlns:r="http://schemas.openxmlformats.org/officeDocument/2006/relationships" xmlns:p="http://schemas.openxmlformats.org/presentationml/2006/main">
+  <p:cSld>
+    <p:spTree>
+      <p:nvGrpSpPr>
+        <p:cNvPr id="1" name=""/>
+        <p:cNvGrpSpPr/>
+        <p:nvPr/>
+      </p:nvGrpSpPr>
+      <p:grpSpPr>
+        <a:xfrm>
+          <a:off x="0" y="0"/>
+          <a:ext cx="0" cy="0"/>
+          <a:chOff x="0" y="0"/>
+          <a:chExt cx="0" cy="0"/>
+        </a:xfrm>
+      </p:grpSpPr>
+      <p:sp>
+        <p:nvSpPr>
+          <p:cNvPr id="2" name="標題 1">
+            <a:extLst>
+              <a:ext uri="{FF2B5EF4-FFF2-40B4-BE49-F238E27FC236}">
+                <a16:creationId xmlns:a16="http://schemas.microsoft.com/office/drawing/2014/main" id="{1B4D09A5-4B4C-482E-AC5B-8C4218638682}"/>
+              </a:ext>
+            </a:extLst>
+          </p:cNvPr>
+          <p:cNvSpPr>
+            <a:spLocks noGrp="1"/>
+          </p:cNvSpPr>
+          <p:nvPr>
+            <p:ph type="title"/>
+          </p:nvPr>
+        </p:nvSpPr>
+        <p:spPr/>
+        <p:txBody>
+          <a:bodyPr/>
+          <a:lstStyle/>
+          <a:p>
+            <a:r>
+              <a:rPr lang="en-US" altLang="zh-TW" b="0" i="0" dirty="0">
+                <a:solidFill>
+                  <a:srgbClr val="202124"/>
+                </a:solidFill>
+                <a:effectLst/>
+                <a:latin typeface="Google Sans"/>
+              </a:rPr>
+              <a:t>MariaDB</a:t>
+            </a:r>
+            <a:endParaRPr lang="zh-TW" altLang="en-US" dirty="0"/>
+          </a:p>
+        </p:txBody>
+      </p:sp>
+      <p:sp>
+        <p:nvSpPr>
+          <p:cNvPr id="3" name="內容版面配置區 2">
+            <a:extLst>
+              <a:ext uri="{FF2B5EF4-FFF2-40B4-BE49-F238E27FC236}">
+                <a16:creationId xmlns:a16="http://schemas.microsoft.com/office/drawing/2014/main" id="{C0EC3C67-CA43-4DCA-9486-773FAFF4A2F3}"/>
+              </a:ext>
+            </a:extLst>
+          </p:cNvPr>
+          <p:cNvSpPr>
+            <a:spLocks noGrp="1"/>
+          </p:cNvSpPr>
+          <p:nvPr>
+            <p:ph idx="1"/>
+          </p:nvPr>
+        </p:nvSpPr>
+        <p:spPr/>
+        <p:txBody>
+          <a:bodyPr/>
+          <a:lstStyle/>
+          <a:p>
+            <a:r>
+              <a:rPr lang="en-US" altLang="zh-TW" dirty="0"/>
+              <a:t>MariaDB: </a:t>
+            </a:r>
+            <a:r>
+              <a:rPr lang="en-US" altLang="zh-TW" dirty="0">
+                <a:hlinkClick r:id="rId2"/>
+              </a:rPr>
+              <a:t>https://mariadb.com/downloads/</a:t>
+            </a:r>
+            <a:endParaRPr lang="en-US" altLang="zh-TW" dirty="0"/>
+          </a:p>
+          <a:p>
+            <a:pPr marL="0" indent="0">
+              <a:buNone/>
+            </a:pPr>
+            <a:endParaRPr lang="zh-TW" altLang="en-US" dirty="0"/>
+          </a:p>
+        </p:txBody>
+      </p:sp>
+      <p:pic>
+        <p:nvPicPr>
+          <p:cNvPr id="5" name="圖片 4">
+            <a:extLst>
+              <a:ext uri="{FF2B5EF4-FFF2-40B4-BE49-F238E27FC236}">
+                <a16:creationId xmlns:a16="http://schemas.microsoft.com/office/drawing/2014/main" id="{78FA1E03-C663-4983-BBE9-10F4D67C006B}"/>
+              </a:ext>
+            </a:extLst>
+          </p:cNvPr>
+          <p:cNvPicPr>
+            <a:picLocks noChangeAspect="1"/>
+          </p:cNvPicPr>
+          <p:nvPr/>
+        </p:nvPicPr>
+        <p:blipFill>
+          <a:blip r:embed="rId3"/>
+          <a:stretch>
+            <a:fillRect/>
+          </a:stretch>
+        </p:blipFill>
+        <p:spPr>
+          <a:xfrm>
+            <a:off x="3914453" y="2800902"/>
+            <a:ext cx="8170165" cy="3957865"/>
+          </a:xfrm>
+          <a:prstGeom prst="rect">
+            <a:avLst/>
+          </a:prstGeom>
+        </p:spPr>
+      </p:pic>
+    </p:spTree>
+    <p:extLst>
+      <p:ext uri="{BB962C8B-B14F-4D97-AF65-F5344CB8AC3E}">
+        <p14:creationId xmlns:p14="http://schemas.microsoft.com/office/powerpoint/2010/main" val="4179734210"/>
+      </p:ext>
+    </p:extLst>
+  </p:cSld>
+  <p:clrMapOvr>
+    <a:masterClrMapping/>
+  </p:clrMapOvr>
+</p:sld>
+</file>
+
 <file path=ppt/theme/theme1.xml><?xml version="1.0" encoding="utf-8"?>
 <a:theme xmlns:a="http://schemas.openxmlformats.org/drawingml/2006/main" name="回顧">
   <a:themeElements>

--- a/doc/JAVA 課前環境配置.pptx
+++ b/doc/JAVA 課前環境配置.pptx
@@ -14,6 +14,7 @@
     <p:sldId id="260" r:id="rId8"/>
     <p:sldId id="262" r:id="rId9"/>
     <p:sldId id="264" r:id="rId10"/>
+    <p:sldId id="265" r:id="rId11"/>
   </p:sldIdLst>
   <p:sldSz cx="12192000" cy="6858000"/>
   <p:notesSz cx="6858000" cy="9144000"/>
@@ -3896,6 +3897,232 @@
 </p:sld>
 </file>
 
+<file path=ppt/slides/slide10.xml><?xml version="1.0" encoding="utf-8"?>
+<p:sld xmlns:a="http://schemas.openxmlformats.org/drawingml/2006/main" xmlns:r="http://schemas.openxmlformats.org/officeDocument/2006/relationships" xmlns:p="http://schemas.openxmlformats.org/presentationml/2006/main">
+  <p:cSld>
+    <p:spTree>
+      <p:nvGrpSpPr>
+        <p:cNvPr id="1" name=""/>
+        <p:cNvGrpSpPr/>
+        <p:nvPr/>
+      </p:nvGrpSpPr>
+      <p:grpSpPr>
+        <a:xfrm>
+          <a:off x="0" y="0"/>
+          <a:ext cx="0" cy="0"/>
+          <a:chOff x="0" y="0"/>
+          <a:chExt cx="0" cy="0"/>
+        </a:xfrm>
+      </p:grpSpPr>
+      <p:sp>
+        <p:nvSpPr>
+          <p:cNvPr id="2" name="標題 1">
+            <a:extLst>
+              <a:ext uri="{FF2B5EF4-FFF2-40B4-BE49-F238E27FC236}">
+                <a16:creationId xmlns:a16="http://schemas.microsoft.com/office/drawing/2014/main" id="{77FBB6CC-E2C4-4A44-8005-B3EAC2477F5F}"/>
+              </a:ext>
+            </a:extLst>
+          </p:cNvPr>
+          <p:cNvSpPr>
+            <a:spLocks noGrp="1"/>
+          </p:cNvSpPr>
+          <p:nvPr>
+            <p:ph type="title"/>
+          </p:nvPr>
+        </p:nvSpPr>
+        <p:spPr/>
+        <p:txBody>
+          <a:bodyPr/>
+          <a:lstStyle/>
+          <a:p>
+            <a:r>
+              <a:rPr lang="en-US" altLang="zh-TW" b="0" i="0" dirty="0">
+                <a:solidFill>
+                  <a:srgbClr val="202124"/>
+                </a:solidFill>
+                <a:effectLst/>
+                <a:latin typeface="微軟正黑體" panose="020B0604030504040204" pitchFamily="34" charset="-120"/>
+                <a:ea typeface="微軟正黑體" panose="020B0604030504040204" pitchFamily="34" charset="-120"/>
+              </a:rPr>
+              <a:t>MariaDB</a:t>
+            </a:r>
+            <a:endParaRPr lang="zh-TW" altLang="en-US" dirty="0">
+              <a:latin typeface="微軟正黑體" panose="020B0604030504040204" pitchFamily="34" charset="-120"/>
+              <a:ea typeface="微軟正黑體" panose="020B0604030504040204" pitchFamily="34" charset="-120"/>
+            </a:endParaRPr>
+          </a:p>
+        </p:txBody>
+      </p:sp>
+      <p:sp>
+        <p:nvSpPr>
+          <p:cNvPr id="3" name="內容版面配置區 2">
+            <a:extLst>
+              <a:ext uri="{FF2B5EF4-FFF2-40B4-BE49-F238E27FC236}">
+                <a16:creationId xmlns:a16="http://schemas.microsoft.com/office/drawing/2014/main" id="{744AED14-C03B-48DC-9C8C-C26AB5559ED5}"/>
+              </a:ext>
+            </a:extLst>
+          </p:cNvPr>
+          <p:cNvSpPr>
+            <a:spLocks noGrp="1"/>
+          </p:cNvSpPr>
+          <p:nvPr>
+            <p:ph idx="1"/>
+          </p:nvPr>
+        </p:nvSpPr>
+        <p:spPr/>
+        <p:txBody>
+          <a:bodyPr/>
+          <a:lstStyle/>
+          <a:p>
+            <a:r>
+              <a:rPr lang="zh-TW" altLang="en-US" dirty="0">
+                <a:latin typeface="微軟正黑體" panose="020B0604030504040204" pitchFamily="34" charset="-120"/>
+                <a:ea typeface="微軟正黑體" panose="020B0604030504040204" pitchFamily="34" charset="-120"/>
+              </a:rPr>
+              <a:t>創建 </a:t>
+            </a:r>
+            <a:r>
+              <a:rPr lang="en-US" altLang="zh-TW" dirty="0">
+                <a:latin typeface="微軟正黑體" panose="020B0604030504040204" pitchFamily="34" charset="-120"/>
+                <a:ea typeface="微軟正黑體" panose="020B0604030504040204" pitchFamily="34" charset="-120"/>
+              </a:rPr>
+              <a:t>root </a:t>
+            </a:r>
+            <a:r>
+              <a:rPr lang="zh-TW" altLang="en-US" dirty="0">
+                <a:latin typeface="微軟正黑體" panose="020B0604030504040204" pitchFamily="34" charset="-120"/>
+                <a:ea typeface="微軟正黑體" panose="020B0604030504040204" pitchFamily="34" charset="-120"/>
+              </a:rPr>
+              <a:t>使用者</a:t>
+            </a:r>
+            <a:endParaRPr lang="en-US" altLang="zh-TW" dirty="0">
+              <a:latin typeface="微軟正黑體" panose="020B0604030504040204" pitchFamily="34" charset="-120"/>
+              <a:ea typeface="微軟正黑體" panose="020B0604030504040204" pitchFamily="34" charset="-120"/>
+            </a:endParaRPr>
+          </a:p>
+          <a:p>
+            <a:r>
+              <a:rPr lang="zh-TW" altLang="en-US" dirty="0">
+                <a:latin typeface="微軟正黑體" panose="020B0604030504040204" pitchFamily="34" charset="-120"/>
+                <a:ea typeface="微軟正黑體" panose="020B0604030504040204" pitchFamily="34" charset="-120"/>
+              </a:rPr>
+              <a:t>請牢記密碼</a:t>
+            </a:r>
+            <a:endParaRPr lang="en-US" altLang="zh-TW" dirty="0">
+              <a:latin typeface="微軟正黑體" panose="020B0604030504040204" pitchFamily="34" charset="-120"/>
+              <a:ea typeface="微軟正黑體" panose="020B0604030504040204" pitchFamily="34" charset="-120"/>
+            </a:endParaRPr>
+          </a:p>
+          <a:p>
+            <a:endParaRPr lang="en-US" altLang="zh-TW" dirty="0">
+              <a:latin typeface="微軟正黑體" panose="020B0604030504040204" pitchFamily="34" charset="-120"/>
+              <a:ea typeface="微軟正黑體" panose="020B0604030504040204" pitchFamily="34" charset="-120"/>
+            </a:endParaRPr>
+          </a:p>
+          <a:p>
+            <a:endParaRPr lang="en-US" altLang="zh-TW" dirty="0">
+              <a:latin typeface="微軟正黑體" panose="020B0604030504040204" pitchFamily="34" charset="-120"/>
+              <a:ea typeface="微軟正黑體" panose="020B0604030504040204" pitchFamily="34" charset="-120"/>
+            </a:endParaRPr>
+          </a:p>
+          <a:p>
+            <a:r>
+              <a:rPr lang="zh-TW" altLang="en-US" dirty="0">
+                <a:latin typeface="微軟正黑體" panose="020B0604030504040204" pitchFamily="34" charset="-120"/>
+                <a:ea typeface="微軟正黑體" panose="020B0604030504040204" pitchFamily="34" charset="-120"/>
+              </a:rPr>
+              <a:t>*建議</a:t>
+            </a:r>
+            <a:r>
+              <a:rPr lang="en-US" altLang="zh-TW" dirty="0">
+                <a:latin typeface="微軟正黑體" panose="020B0604030504040204" pitchFamily="34" charset="-120"/>
+                <a:ea typeface="微軟正黑體" panose="020B0604030504040204" pitchFamily="34" charset="-120"/>
+              </a:rPr>
+              <a:t>root</a:t>
+            </a:r>
+          </a:p>
+          <a:p>
+            <a:r>
+              <a:rPr lang="en-US" altLang="zh-TW" dirty="0">
+                <a:latin typeface="微軟正黑體" panose="020B0604030504040204" pitchFamily="34" charset="-120"/>
+                <a:ea typeface="微軟正黑體" panose="020B0604030504040204" pitchFamily="34" charset="-120"/>
+              </a:rPr>
+              <a:t>*</a:t>
+            </a:r>
+            <a:r>
+              <a:rPr lang="zh-TW" altLang="en-US" dirty="0">
+                <a:latin typeface="微軟正黑體" panose="020B0604030504040204" pitchFamily="34" charset="-120"/>
+                <a:ea typeface="微軟正黑體" panose="020B0604030504040204" pitchFamily="34" charset="-120"/>
+              </a:rPr>
+              <a:t>忘記了會找不回來</a:t>
+            </a:r>
+            <a:endParaRPr lang="en-US" altLang="zh-TW" dirty="0">
+              <a:latin typeface="微軟正黑體" panose="020B0604030504040204" pitchFamily="34" charset="-120"/>
+              <a:ea typeface="微軟正黑體" panose="020B0604030504040204" pitchFamily="34" charset="-120"/>
+            </a:endParaRPr>
+          </a:p>
+        </p:txBody>
+      </p:sp>
+      <p:pic>
+        <p:nvPicPr>
+          <p:cNvPr id="1026" name="Picture 2" descr="龍崗山上的倉鼠: MariaDB 安裝by Win">
+            <a:extLst>
+              <a:ext uri="{FF2B5EF4-FFF2-40B4-BE49-F238E27FC236}">
+                <a16:creationId xmlns:a16="http://schemas.microsoft.com/office/drawing/2014/main" id="{5C5DDB92-8DD4-4AC3-AFF4-2F481C9E0B5B}"/>
+              </a:ext>
+            </a:extLst>
+          </p:cNvPr>
+          <p:cNvPicPr>
+            <a:picLocks noChangeAspect="1" noChangeArrowheads="1"/>
+          </p:cNvPicPr>
+          <p:nvPr/>
+        </p:nvPicPr>
+        <p:blipFill>
+          <a:blip r:embed="rId2">
+            <a:extLst>
+              <a:ext uri="{28A0092B-C50C-407E-A947-70E740481C1C}">
+                <a14:useLocalDpi xmlns:a14="http://schemas.microsoft.com/office/drawing/2010/main" val="0"/>
+              </a:ext>
+            </a:extLst>
+          </a:blip>
+          <a:srcRect/>
+          <a:stretch>
+            <a:fillRect/>
+          </a:stretch>
+        </p:blipFill>
+        <p:spPr bwMode="auto">
+          <a:xfrm>
+            <a:off x="6096000" y="2183240"/>
+            <a:ext cx="5992670" cy="4626953"/>
+          </a:xfrm>
+          <a:prstGeom prst="rect">
+            <a:avLst/>
+          </a:prstGeom>
+          <a:noFill/>
+          <a:extLst>
+            <a:ext uri="{909E8E84-426E-40DD-AFC4-6F175D3DCCD1}">
+              <a14:hiddenFill xmlns:a14="http://schemas.microsoft.com/office/drawing/2010/main">
+                <a:solidFill>
+                  <a:srgbClr val="FFFFFF"/>
+                </a:solidFill>
+              </a14:hiddenFill>
+            </a:ext>
+          </a:extLst>
+        </p:spPr>
+      </p:pic>
+    </p:spTree>
+    <p:extLst>
+      <p:ext uri="{BB962C8B-B14F-4D97-AF65-F5344CB8AC3E}">
+        <p14:creationId xmlns:p14="http://schemas.microsoft.com/office/powerpoint/2010/main" val="3091215306"/>
+      </p:ext>
+    </p:extLst>
+  </p:cSld>
+  <p:clrMapOvr>
+    <a:masterClrMapping/>
+  </p:clrMapOvr>
+</p:sld>
+</file>
+
 <file path=ppt/slides/slide2.xml><?xml version="1.0" encoding="utf-8"?>
 <p:sld xmlns:a="http://schemas.openxmlformats.org/drawingml/2006/main" xmlns:r="http://schemas.openxmlformats.org/officeDocument/2006/relationships" xmlns:p="http://schemas.openxmlformats.org/presentationml/2006/main">
   <p:cSld>
@@ -5170,11 +5397,15 @@
                   <a:srgbClr val="202124"/>
                 </a:solidFill>
                 <a:effectLst/>
-                <a:latin typeface="Google Sans"/>
+                <a:latin typeface="微軟正黑體" panose="020B0604030504040204" pitchFamily="34" charset="-120"/>
+                <a:ea typeface="微軟正黑體" panose="020B0604030504040204" pitchFamily="34" charset="-120"/>
               </a:rPr>
               <a:t>MariaDB</a:t>
             </a:r>
-            <a:endParaRPr lang="zh-TW" altLang="en-US" dirty="0"/>
+            <a:endParaRPr lang="zh-TW" altLang="en-US" dirty="0">
+              <a:latin typeface="微軟正黑體" panose="020B0604030504040204" pitchFamily="34" charset="-120"/>
+              <a:ea typeface="微軟正黑體" panose="020B0604030504040204" pitchFamily="34" charset="-120"/>
+            </a:endParaRPr>
           </a:p>
         </p:txBody>
       </p:sp>
@@ -5200,22 +5431,33 @@
           <a:lstStyle/>
           <a:p>
             <a:r>
-              <a:rPr lang="en-US" altLang="zh-TW" dirty="0"/>
+              <a:rPr lang="en-US" altLang="zh-TW" dirty="0">
+                <a:latin typeface="微軟正黑體" panose="020B0604030504040204" pitchFamily="34" charset="-120"/>
+                <a:ea typeface="微軟正黑體" panose="020B0604030504040204" pitchFamily="34" charset="-120"/>
+              </a:rPr>
               <a:t>MariaDB: </a:t>
             </a:r>
             <a:r>
               <a:rPr lang="en-US" altLang="zh-TW" dirty="0">
+                <a:latin typeface="微軟正黑體" panose="020B0604030504040204" pitchFamily="34" charset="-120"/>
+                <a:ea typeface="微軟正黑體" panose="020B0604030504040204" pitchFamily="34" charset="-120"/>
                 <a:hlinkClick r:id="rId2"/>
               </a:rPr>
               <a:t>https://mariadb.com/downloads/</a:t>
             </a:r>
-            <a:endParaRPr lang="en-US" altLang="zh-TW" dirty="0"/>
+            <a:endParaRPr lang="en-US" altLang="zh-TW" dirty="0">
+              <a:latin typeface="微軟正黑體" panose="020B0604030504040204" pitchFamily="34" charset="-120"/>
+              <a:ea typeface="微軟正黑體" panose="020B0604030504040204" pitchFamily="34" charset="-120"/>
+            </a:endParaRPr>
           </a:p>
           <a:p>
             <a:pPr marL="0" indent="0">
               <a:buNone/>
             </a:pPr>
-            <a:endParaRPr lang="zh-TW" altLang="en-US" dirty="0"/>
+            <a:endParaRPr lang="zh-TW" altLang="en-US" dirty="0">
+              <a:latin typeface="微軟正黑體" panose="020B0604030504040204" pitchFamily="34" charset="-120"/>
+              <a:ea typeface="微軟正黑體" panose="020B0604030504040204" pitchFamily="34" charset="-120"/>
+            </a:endParaRPr>
           </a:p>
         </p:txBody>
       </p:sp>
@@ -5241,8 +5483,8 @@
         </p:blipFill>
         <p:spPr>
           <a:xfrm>
-            <a:off x="3914453" y="2800902"/>
-            <a:ext cx="8170165" cy="3957865"/>
+            <a:off x="3053031" y="2383604"/>
+            <a:ext cx="9031587" cy="4375163"/>
           </a:xfrm>
           <a:prstGeom prst="rect">
             <a:avLst/>

--- a/doc/JAVA 課前環境配置.pptx
+++ b/doc/JAVA 課前環境配置.pptx
@@ -11,10 +11,14 @@
     <p:sldId id="259" r:id="rId5"/>
     <p:sldId id="261" r:id="rId6"/>
     <p:sldId id="263" r:id="rId7"/>
-    <p:sldId id="260" r:id="rId8"/>
-    <p:sldId id="262" r:id="rId9"/>
-    <p:sldId id="264" r:id="rId10"/>
-    <p:sldId id="265" r:id="rId11"/>
+    <p:sldId id="266" r:id="rId8"/>
+    <p:sldId id="267" r:id="rId9"/>
+    <p:sldId id="268" r:id="rId10"/>
+    <p:sldId id="269" r:id="rId11"/>
+    <p:sldId id="260" r:id="rId12"/>
+    <p:sldId id="262" r:id="rId13"/>
+    <p:sldId id="264" r:id="rId14"/>
+    <p:sldId id="265" r:id="rId15"/>
   </p:sldIdLst>
   <p:sldSz cx="12192000" cy="6858000"/>
   <p:notesSz cx="6858000" cy="9144000"/>
@@ -347,7 +351,7 @@
           <a:p>
             <a:fld id="{6F33BF32-AF61-4545-BA53-39533677078F}" type="datetimeFigureOut">
               <a:rPr lang="zh-TW" altLang="en-US" smtClean="0"/>
-              <a:t>2022/3/28</a:t>
+              <a:t>2022/3/30</a:t>
             </a:fld>
             <a:endParaRPr lang="zh-TW" altLang="en-US"/>
           </a:p>
@@ -555,7 +559,7 @@
           <a:p>
             <a:fld id="{6F33BF32-AF61-4545-BA53-39533677078F}" type="datetimeFigureOut">
               <a:rPr lang="zh-TW" altLang="en-US" smtClean="0"/>
-              <a:t>2022/3/28</a:t>
+              <a:t>2022/3/30</a:t>
             </a:fld>
             <a:endParaRPr lang="zh-TW" altLang="en-US"/>
           </a:p>
@@ -811,7 +815,7 @@
           <a:p>
             <a:fld id="{6F33BF32-AF61-4545-BA53-39533677078F}" type="datetimeFigureOut">
               <a:rPr lang="zh-TW" altLang="en-US" smtClean="0"/>
-              <a:t>2022/3/28</a:t>
+              <a:t>2022/3/30</a:t>
             </a:fld>
             <a:endParaRPr lang="zh-TW" altLang="en-US"/>
           </a:p>
@@ -985,7 +989,7 @@
           <a:p>
             <a:fld id="{6F33BF32-AF61-4545-BA53-39533677078F}" type="datetimeFigureOut">
               <a:rPr lang="zh-TW" altLang="en-US" smtClean="0"/>
-              <a:t>2022/3/28</a:t>
+              <a:t>2022/3/30</a:t>
             </a:fld>
             <a:endParaRPr lang="zh-TW" altLang="en-US"/>
           </a:p>
@@ -1328,7 +1332,7 @@
           <a:p>
             <a:fld id="{6F33BF32-AF61-4545-BA53-39533677078F}" type="datetimeFigureOut">
               <a:rPr lang="zh-TW" altLang="en-US" smtClean="0"/>
-              <a:t>2022/3/28</a:t>
+              <a:t>2022/3/30</a:t>
             </a:fld>
             <a:endParaRPr lang="zh-TW" altLang="en-US"/>
           </a:p>
@@ -1603,7 +1607,7 @@
           <a:p>
             <a:fld id="{6F33BF32-AF61-4545-BA53-39533677078F}" type="datetimeFigureOut">
               <a:rPr lang="zh-TW" altLang="en-US" smtClean="0"/>
-              <a:t>2022/3/28</a:t>
+              <a:t>2022/3/30</a:t>
             </a:fld>
             <a:endParaRPr lang="zh-TW" altLang="en-US"/>
           </a:p>
@@ -1982,7 +1986,7 @@
           <a:p>
             <a:fld id="{6F33BF32-AF61-4545-BA53-39533677078F}" type="datetimeFigureOut">
               <a:rPr lang="zh-TW" altLang="en-US" smtClean="0"/>
-              <a:t>2022/3/28</a:t>
+              <a:t>2022/3/30</a:t>
             </a:fld>
             <a:endParaRPr lang="zh-TW" altLang="en-US"/>
           </a:p>
@@ -2100,7 +2104,7 @@
           <a:p>
             <a:fld id="{6F33BF32-AF61-4545-BA53-39533677078F}" type="datetimeFigureOut">
               <a:rPr lang="zh-TW" altLang="en-US" smtClean="0"/>
-              <a:t>2022/3/28</a:t>
+              <a:t>2022/3/30</a:t>
             </a:fld>
             <a:endParaRPr lang="zh-TW" altLang="en-US"/>
           </a:p>
@@ -2271,7 +2275,7 @@
           <a:p>
             <a:fld id="{6F33BF32-AF61-4545-BA53-39533677078F}" type="datetimeFigureOut">
               <a:rPr lang="zh-TW" altLang="en-US" smtClean="0"/>
-              <a:t>2022/3/28</a:t>
+              <a:t>2022/3/30</a:t>
             </a:fld>
             <a:endParaRPr lang="zh-TW" altLang="en-US"/>
           </a:p>
@@ -2625,7 +2629,7 @@
           <a:p>
             <a:fld id="{6F33BF32-AF61-4545-BA53-39533677078F}" type="datetimeFigureOut">
               <a:rPr lang="zh-TW" altLang="en-US" smtClean="0"/>
-              <a:t>2022/3/28</a:t>
+              <a:t>2022/3/30</a:t>
             </a:fld>
             <a:endParaRPr lang="zh-TW" altLang="en-US"/>
           </a:p>
@@ -3007,7 +3011,7 @@
           <a:p>
             <a:fld id="{6F33BF32-AF61-4545-BA53-39533677078F}" type="datetimeFigureOut">
               <a:rPr lang="zh-TW" altLang="en-US" smtClean="0"/>
-              <a:t>2022/3/28</a:t>
+              <a:t>2022/3/30</a:t>
             </a:fld>
             <a:endParaRPr lang="zh-TW" altLang="en-US"/>
           </a:p>
@@ -3294,7 +3298,7 @@
           <a:p>
             <a:fld id="{6F33BF32-AF61-4545-BA53-39533677078F}" type="datetimeFigureOut">
               <a:rPr lang="zh-TW" altLang="en-US" smtClean="0"/>
-              <a:t>2022/3/28</a:t>
+              <a:t>2022/3/30</a:t>
             </a:fld>
             <a:endParaRPr lang="zh-TW" altLang="en-US"/>
           </a:p>
@@ -3919,6 +3923,575 @@
           <p:cNvPr id="2" name="標題 1">
             <a:extLst>
               <a:ext uri="{FF2B5EF4-FFF2-40B4-BE49-F238E27FC236}">
+                <a16:creationId xmlns:a16="http://schemas.microsoft.com/office/drawing/2014/main" id="{518A05DF-8DDD-48ED-977C-270E2D67A87E}"/>
+              </a:ext>
+            </a:extLst>
+          </p:cNvPr>
+          <p:cNvSpPr>
+            <a:spLocks noGrp="1"/>
+          </p:cNvSpPr>
+          <p:nvPr>
+            <p:ph type="title"/>
+          </p:nvPr>
+        </p:nvSpPr>
+        <p:spPr/>
+        <p:txBody>
+          <a:bodyPr/>
+          <a:lstStyle/>
+          <a:p>
+            <a:r>
+              <a:rPr lang="en-US" altLang="zh-TW" dirty="0"/>
+              <a:t>Maven</a:t>
+            </a:r>
+            <a:endParaRPr lang="zh-TW" altLang="en-US" dirty="0"/>
+          </a:p>
+        </p:txBody>
+      </p:sp>
+      <p:sp>
+        <p:nvSpPr>
+          <p:cNvPr id="3" name="內容版面配置區 2">
+            <a:extLst>
+              <a:ext uri="{FF2B5EF4-FFF2-40B4-BE49-F238E27FC236}">
+                <a16:creationId xmlns:a16="http://schemas.microsoft.com/office/drawing/2014/main" id="{AB804D6F-22ED-4EC3-9A7C-24854087365C}"/>
+              </a:ext>
+            </a:extLst>
+          </p:cNvPr>
+          <p:cNvSpPr>
+            <a:spLocks noGrp="1"/>
+          </p:cNvSpPr>
+          <p:nvPr>
+            <p:ph idx="1"/>
+          </p:nvPr>
+        </p:nvSpPr>
+        <p:spPr/>
+        <p:txBody>
+          <a:bodyPr/>
+          <a:lstStyle/>
+          <a:p>
+            <a:r>
+              <a:rPr lang="zh-TW" altLang="en-US" dirty="0"/>
+              <a:t>確認是否安裝成功</a:t>
+            </a:r>
+          </a:p>
+        </p:txBody>
+      </p:sp>
+      <p:pic>
+        <p:nvPicPr>
+          <p:cNvPr id="7" name="圖片 6">
+            <a:extLst>
+              <a:ext uri="{FF2B5EF4-FFF2-40B4-BE49-F238E27FC236}">
+                <a16:creationId xmlns:a16="http://schemas.microsoft.com/office/drawing/2014/main" id="{650A4C1B-2627-4262-B528-422061294D97}"/>
+              </a:ext>
+            </a:extLst>
+          </p:cNvPr>
+          <p:cNvPicPr>
+            <a:picLocks noChangeAspect="1"/>
+          </p:cNvPicPr>
+          <p:nvPr/>
+        </p:nvPicPr>
+        <p:blipFill>
+          <a:blip r:embed="rId2"/>
+          <a:stretch>
+            <a:fillRect/>
+          </a:stretch>
+        </p:blipFill>
+        <p:spPr>
+          <a:xfrm>
+            <a:off x="3565133" y="2386238"/>
+            <a:ext cx="8113505" cy="4247561"/>
+          </a:xfrm>
+          <a:prstGeom prst="rect">
+            <a:avLst/>
+          </a:prstGeom>
+        </p:spPr>
+      </p:pic>
+    </p:spTree>
+    <p:extLst>
+      <p:ext uri="{BB962C8B-B14F-4D97-AF65-F5344CB8AC3E}">
+        <p14:creationId xmlns:p14="http://schemas.microsoft.com/office/powerpoint/2010/main" val="1226612643"/>
+      </p:ext>
+    </p:extLst>
+  </p:cSld>
+  <p:clrMapOvr>
+    <a:masterClrMapping/>
+  </p:clrMapOvr>
+</p:sld>
+</file>
+
+<file path=ppt/slides/slide11.xml><?xml version="1.0" encoding="utf-8"?>
+<p:sld xmlns:a="http://schemas.openxmlformats.org/drawingml/2006/main" xmlns:r="http://schemas.openxmlformats.org/officeDocument/2006/relationships" xmlns:p="http://schemas.openxmlformats.org/presentationml/2006/main">
+  <p:cSld>
+    <p:spTree>
+      <p:nvGrpSpPr>
+        <p:cNvPr id="1" name=""/>
+        <p:cNvGrpSpPr/>
+        <p:nvPr/>
+      </p:nvGrpSpPr>
+      <p:grpSpPr>
+        <a:xfrm>
+          <a:off x="0" y="0"/>
+          <a:ext cx="0" cy="0"/>
+          <a:chOff x="0" y="0"/>
+          <a:chExt cx="0" cy="0"/>
+        </a:xfrm>
+      </p:grpSpPr>
+      <p:sp>
+        <p:nvSpPr>
+          <p:cNvPr id="2" name="標題 1">
+            <a:extLst>
+              <a:ext uri="{FF2B5EF4-FFF2-40B4-BE49-F238E27FC236}">
+                <a16:creationId xmlns:a16="http://schemas.microsoft.com/office/drawing/2014/main" id="{B56D472D-BD72-41CE-A2F4-33ECFD1A7977}"/>
+              </a:ext>
+            </a:extLst>
+          </p:cNvPr>
+          <p:cNvSpPr>
+            <a:spLocks noGrp="1"/>
+          </p:cNvSpPr>
+          <p:nvPr>
+            <p:ph type="title"/>
+          </p:nvPr>
+        </p:nvSpPr>
+        <p:spPr/>
+        <p:txBody>
+          <a:bodyPr/>
+          <a:lstStyle/>
+          <a:p>
+            <a:r>
+              <a:rPr lang="en-US" altLang="zh-TW" dirty="0">
+                <a:latin typeface="微軟正黑體" panose="020B0604030504040204" pitchFamily="34" charset="-120"/>
+                <a:ea typeface="微軟正黑體" panose="020B0604030504040204" pitchFamily="34" charset="-120"/>
+              </a:rPr>
+              <a:t>Spring Tools 4</a:t>
+            </a:r>
+            <a:endParaRPr lang="zh-TW" altLang="en-US" dirty="0">
+              <a:latin typeface="微軟正黑體" panose="020B0604030504040204" pitchFamily="34" charset="-120"/>
+              <a:ea typeface="微軟正黑體" panose="020B0604030504040204" pitchFamily="34" charset="-120"/>
+            </a:endParaRPr>
+          </a:p>
+        </p:txBody>
+      </p:sp>
+      <p:sp>
+        <p:nvSpPr>
+          <p:cNvPr id="3" name="內容版面配置區 2">
+            <a:extLst>
+              <a:ext uri="{FF2B5EF4-FFF2-40B4-BE49-F238E27FC236}">
+                <a16:creationId xmlns:a16="http://schemas.microsoft.com/office/drawing/2014/main" id="{00DA45DD-5E61-4C66-B3FD-2A04304E22F2}"/>
+              </a:ext>
+            </a:extLst>
+          </p:cNvPr>
+          <p:cNvSpPr>
+            <a:spLocks noGrp="1"/>
+          </p:cNvSpPr>
+          <p:nvPr>
+            <p:ph idx="1"/>
+          </p:nvPr>
+        </p:nvSpPr>
+        <p:spPr/>
+        <p:txBody>
+          <a:bodyPr/>
+          <a:lstStyle/>
+          <a:p>
+            <a:r>
+              <a:rPr lang="en-US" altLang="zh-TW" dirty="0">
+                <a:latin typeface="微軟正黑體" panose="020B0604030504040204" pitchFamily="34" charset="-120"/>
+                <a:ea typeface="微軟正黑體" panose="020B0604030504040204" pitchFamily="34" charset="-120"/>
+              </a:rPr>
+              <a:t>STS4: </a:t>
+            </a:r>
+            <a:r>
+              <a:rPr lang="en-US" altLang="zh-TW" dirty="0">
+                <a:latin typeface="微軟正黑體" panose="020B0604030504040204" pitchFamily="34" charset="-120"/>
+                <a:ea typeface="微軟正黑體" panose="020B0604030504040204" pitchFamily="34" charset="-120"/>
+                <a:hlinkClick r:id="rId2"/>
+              </a:rPr>
+              <a:t>https://spring.io/tools</a:t>
+            </a:r>
+            <a:endParaRPr lang="en-US" altLang="zh-TW" dirty="0">
+              <a:latin typeface="微軟正黑體" panose="020B0604030504040204" pitchFamily="34" charset="-120"/>
+              <a:ea typeface="微軟正黑體" panose="020B0604030504040204" pitchFamily="34" charset="-120"/>
+            </a:endParaRPr>
+          </a:p>
+          <a:p>
+            <a:endParaRPr lang="zh-TW" altLang="en-US" dirty="0">
+              <a:latin typeface="微軟正黑體" panose="020B0604030504040204" pitchFamily="34" charset="-120"/>
+              <a:ea typeface="微軟正黑體" panose="020B0604030504040204" pitchFamily="34" charset="-120"/>
+            </a:endParaRPr>
+          </a:p>
+        </p:txBody>
+      </p:sp>
+      <p:pic>
+        <p:nvPicPr>
+          <p:cNvPr id="5" name="圖片 4">
+            <a:extLst>
+              <a:ext uri="{FF2B5EF4-FFF2-40B4-BE49-F238E27FC236}">
+                <a16:creationId xmlns:a16="http://schemas.microsoft.com/office/drawing/2014/main" id="{913C15D9-3D42-47A3-8307-D17E329C91D4}"/>
+              </a:ext>
+            </a:extLst>
+          </p:cNvPr>
+          <p:cNvPicPr>
+            <a:picLocks noChangeAspect="1"/>
+          </p:cNvPicPr>
+          <p:nvPr/>
+        </p:nvPicPr>
+        <p:blipFill>
+          <a:blip r:embed="rId3"/>
+          <a:stretch>
+            <a:fillRect/>
+          </a:stretch>
+        </p:blipFill>
+        <p:spPr>
+          <a:xfrm>
+            <a:off x="3452116" y="2288204"/>
+            <a:ext cx="8739883" cy="4569796"/>
+          </a:xfrm>
+          <a:prstGeom prst="rect">
+            <a:avLst/>
+          </a:prstGeom>
+        </p:spPr>
+      </p:pic>
+    </p:spTree>
+    <p:extLst>
+      <p:ext uri="{BB962C8B-B14F-4D97-AF65-F5344CB8AC3E}">
+        <p14:creationId xmlns:p14="http://schemas.microsoft.com/office/powerpoint/2010/main" val="3784379638"/>
+      </p:ext>
+    </p:extLst>
+  </p:cSld>
+  <p:clrMapOvr>
+    <a:masterClrMapping/>
+  </p:clrMapOvr>
+</p:sld>
+</file>
+
+<file path=ppt/slides/slide12.xml><?xml version="1.0" encoding="utf-8"?>
+<p:sld xmlns:a="http://schemas.openxmlformats.org/drawingml/2006/main" xmlns:r="http://schemas.openxmlformats.org/officeDocument/2006/relationships" xmlns:p="http://schemas.openxmlformats.org/presentationml/2006/main">
+  <p:cSld>
+    <p:spTree>
+      <p:nvGrpSpPr>
+        <p:cNvPr id="1" name=""/>
+        <p:cNvGrpSpPr/>
+        <p:nvPr/>
+      </p:nvGrpSpPr>
+      <p:grpSpPr>
+        <a:xfrm>
+          <a:off x="0" y="0"/>
+          <a:ext cx="0" cy="0"/>
+          <a:chOff x="0" y="0"/>
+          <a:chExt cx="0" cy="0"/>
+        </a:xfrm>
+      </p:grpSpPr>
+      <p:sp>
+        <p:nvSpPr>
+          <p:cNvPr id="2" name="標題 1">
+            <a:extLst>
+              <a:ext uri="{FF2B5EF4-FFF2-40B4-BE49-F238E27FC236}">
+                <a16:creationId xmlns:a16="http://schemas.microsoft.com/office/drawing/2014/main" id="{B4B94FB6-6D0E-4F4B-8FF0-EB6DEF32E396}"/>
+              </a:ext>
+            </a:extLst>
+          </p:cNvPr>
+          <p:cNvSpPr>
+            <a:spLocks noGrp="1"/>
+          </p:cNvSpPr>
+          <p:nvPr>
+            <p:ph type="title"/>
+          </p:nvPr>
+        </p:nvSpPr>
+        <p:spPr/>
+        <p:txBody>
+          <a:bodyPr/>
+          <a:lstStyle/>
+          <a:p>
+            <a:r>
+              <a:rPr lang="en-US" altLang="zh-TW" dirty="0">
+                <a:latin typeface="微軟正黑體" panose="020B0604030504040204" pitchFamily="34" charset="-120"/>
+                <a:ea typeface="微軟正黑體" panose="020B0604030504040204" pitchFamily="34" charset="-120"/>
+              </a:rPr>
+              <a:t>Spring io</a:t>
+            </a:r>
+            <a:endParaRPr lang="zh-TW" altLang="en-US" dirty="0">
+              <a:latin typeface="微軟正黑體" panose="020B0604030504040204" pitchFamily="34" charset="-120"/>
+              <a:ea typeface="微軟正黑體" panose="020B0604030504040204" pitchFamily="34" charset="-120"/>
+            </a:endParaRPr>
+          </a:p>
+        </p:txBody>
+      </p:sp>
+      <p:sp>
+        <p:nvSpPr>
+          <p:cNvPr id="3" name="內容版面配置區 2">
+            <a:extLst>
+              <a:ext uri="{FF2B5EF4-FFF2-40B4-BE49-F238E27FC236}">
+                <a16:creationId xmlns:a16="http://schemas.microsoft.com/office/drawing/2014/main" id="{D1CDADED-2E9D-4B69-B2E2-4A93DC1EC11E}"/>
+              </a:ext>
+            </a:extLst>
+          </p:cNvPr>
+          <p:cNvSpPr>
+            <a:spLocks noGrp="1"/>
+          </p:cNvSpPr>
+          <p:nvPr>
+            <p:ph idx="1"/>
+          </p:nvPr>
+        </p:nvSpPr>
+        <p:spPr/>
+        <p:txBody>
+          <a:bodyPr/>
+          <a:lstStyle/>
+          <a:p>
+            <a:r>
+              <a:rPr lang="en-US" altLang="zh-TW" dirty="0">
+                <a:latin typeface="微軟正黑體" panose="020B0604030504040204" pitchFamily="34" charset="-120"/>
+                <a:ea typeface="微軟正黑體" panose="020B0604030504040204" pitchFamily="34" charset="-120"/>
+              </a:rPr>
+              <a:t>Spring io: </a:t>
+            </a:r>
+            <a:r>
+              <a:rPr lang="en-US" altLang="zh-TW" dirty="0">
+                <a:latin typeface="微軟正黑體" panose="020B0604030504040204" pitchFamily="34" charset="-120"/>
+                <a:ea typeface="微軟正黑體" panose="020B0604030504040204" pitchFamily="34" charset="-120"/>
+                <a:hlinkClick r:id="rId2"/>
+              </a:rPr>
+              <a:t>https://start.spring.io/</a:t>
+            </a:r>
+            <a:endParaRPr lang="en-US" altLang="zh-TW" dirty="0">
+              <a:latin typeface="微軟正黑體" panose="020B0604030504040204" pitchFamily="34" charset="-120"/>
+              <a:ea typeface="微軟正黑體" panose="020B0604030504040204" pitchFamily="34" charset="-120"/>
+            </a:endParaRPr>
+          </a:p>
+          <a:p>
+            <a:r>
+              <a:rPr lang="zh-TW" altLang="en-US" sz="1800" dirty="0">
+                <a:latin typeface="微軟正黑體" panose="020B0604030504040204" pitchFamily="34" charset="-120"/>
+                <a:ea typeface="微軟正黑體" panose="020B0604030504040204" pitchFamily="34" charset="-120"/>
+              </a:rPr>
+              <a:t>先加入網頁遊覽器到我的最愛</a:t>
+            </a:r>
+            <a:endParaRPr lang="en-US" altLang="zh-TW" sz="1800" dirty="0">
+              <a:latin typeface="微軟正黑體" panose="020B0604030504040204" pitchFamily="34" charset="-120"/>
+              <a:ea typeface="微軟正黑體" panose="020B0604030504040204" pitchFamily="34" charset="-120"/>
+            </a:endParaRPr>
+          </a:p>
+          <a:p>
+            <a:endParaRPr lang="zh-TW" altLang="en-US" dirty="0">
+              <a:latin typeface="微軟正黑體" panose="020B0604030504040204" pitchFamily="34" charset="-120"/>
+              <a:ea typeface="微軟正黑體" panose="020B0604030504040204" pitchFamily="34" charset="-120"/>
+            </a:endParaRPr>
+          </a:p>
+        </p:txBody>
+      </p:sp>
+      <p:pic>
+        <p:nvPicPr>
+          <p:cNvPr id="5" name="圖片 4">
+            <a:extLst>
+              <a:ext uri="{FF2B5EF4-FFF2-40B4-BE49-F238E27FC236}">
+                <a16:creationId xmlns:a16="http://schemas.microsoft.com/office/drawing/2014/main" id="{E6E56D10-6E58-4786-973B-B89DDE8B191F}"/>
+              </a:ext>
+            </a:extLst>
+          </p:cNvPr>
+          <p:cNvPicPr>
+            <a:picLocks noChangeAspect="1"/>
+          </p:cNvPicPr>
+          <p:nvPr/>
+        </p:nvPicPr>
+        <p:blipFill>
+          <a:blip r:embed="rId3"/>
+          <a:stretch>
+            <a:fillRect/>
+          </a:stretch>
+        </p:blipFill>
+        <p:spPr>
+          <a:xfrm>
+            <a:off x="4181582" y="2790285"/>
+            <a:ext cx="8010418" cy="4067715"/>
+          </a:xfrm>
+          <a:prstGeom prst="rect">
+            <a:avLst/>
+          </a:prstGeom>
+        </p:spPr>
+      </p:pic>
+    </p:spTree>
+    <p:extLst>
+      <p:ext uri="{BB962C8B-B14F-4D97-AF65-F5344CB8AC3E}">
+        <p14:creationId xmlns:p14="http://schemas.microsoft.com/office/powerpoint/2010/main" val="2435749142"/>
+      </p:ext>
+    </p:extLst>
+  </p:cSld>
+  <p:clrMapOvr>
+    <a:masterClrMapping/>
+  </p:clrMapOvr>
+</p:sld>
+</file>
+
+<file path=ppt/slides/slide13.xml><?xml version="1.0" encoding="utf-8"?>
+<p:sld xmlns:a="http://schemas.openxmlformats.org/drawingml/2006/main" xmlns:r="http://schemas.openxmlformats.org/officeDocument/2006/relationships" xmlns:p="http://schemas.openxmlformats.org/presentationml/2006/main">
+  <p:cSld>
+    <p:spTree>
+      <p:nvGrpSpPr>
+        <p:cNvPr id="1" name=""/>
+        <p:cNvGrpSpPr/>
+        <p:nvPr/>
+      </p:nvGrpSpPr>
+      <p:grpSpPr>
+        <a:xfrm>
+          <a:off x="0" y="0"/>
+          <a:ext cx="0" cy="0"/>
+          <a:chOff x="0" y="0"/>
+          <a:chExt cx="0" cy="0"/>
+        </a:xfrm>
+      </p:grpSpPr>
+      <p:sp>
+        <p:nvSpPr>
+          <p:cNvPr id="2" name="標題 1">
+            <a:extLst>
+              <a:ext uri="{FF2B5EF4-FFF2-40B4-BE49-F238E27FC236}">
+                <a16:creationId xmlns:a16="http://schemas.microsoft.com/office/drawing/2014/main" id="{1B4D09A5-4B4C-482E-AC5B-8C4218638682}"/>
+              </a:ext>
+            </a:extLst>
+          </p:cNvPr>
+          <p:cNvSpPr>
+            <a:spLocks noGrp="1"/>
+          </p:cNvSpPr>
+          <p:nvPr>
+            <p:ph type="title"/>
+          </p:nvPr>
+        </p:nvSpPr>
+        <p:spPr/>
+        <p:txBody>
+          <a:bodyPr/>
+          <a:lstStyle/>
+          <a:p>
+            <a:r>
+              <a:rPr lang="en-US" altLang="zh-TW" b="0" i="0" dirty="0">
+                <a:solidFill>
+                  <a:srgbClr val="202124"/>
+                </a:solidFill>
+                <a:effectLst/>
+                <a:latin typeface="微軟正黑體" panose="020B0604030504040204" pitchFamily="34" charset="-120"/>
+                <a:ea typeface="微軟正黑體" panose="020B0604030504040204" pitchFamily="34" charset="-120"/>
+              </a:rPr>
+              <a:t>MariaDB</a:t>
+            </a:r>
+            <a:endParaRPr lang="zh-TW" altLang="en-US" dirty="0">
+              <a:latin typeface="微軟正黑體" panose="020B0604030504040204" pitchFamily="34" charset="-120"/>
+              <a:ea typeface="微軟正黑體" panose="020B0604030504040204" pitchFamily="34" charset="-120"/>
+            </a:endParaRPr>
+          </a:p>
+        </p:txBody>
+      </p:sp>
+      <p:sp>
+        <p:nvSpPr>
+          <p:cNvPr id="3" name="內容版面配置區 2">
+            <a:extLst>
+              <a:ext uri="{FF2B5EF4-FFF2-40B4-BE49-F238E27FC236}">
+                <a16:creationId xmlns:a16="http://schemas.microsoft.com/office/drawing/2014/main" id="{C0EC3C67-CA43-4DCA-9486-773FAFF4A2F3}"/>
+              </a:ext>
+            </a:extLst>
+          </p:cNvPr>
+          <p:cNvSpPr>
+            <a:spLocks noGrp="1"/>
+          </p:cNvSpPr>
+          <p:nvPr>
+            <p:ph idx="1"/>
+          </p:nvPr>
+        </p:nvSpPr>
+        <p:spPr/>
+        <p:txBody>
+          <a:bodyPr/>
+          <a:lstStyle/>
+          <a:p>
+            <a:r>
+              <a:rPr lang="en-US" altLang="zh-TW" dirty="0">
+                <a:latin typeface="微軟正黑體" panose="020B0604030504040204" pitchFamily="34" charset="-120"/>
+                <a:ea typeface="微軟正黑體" panose="020B0604030504040204" pitchFamily="34" charset="-120"/>
+              </a:rPr>
+              <a:t>MariaDB: </a:t>
+            </a:r>
+            <a:r>
+              <a:rPr lang="en-US" altLang="zh-TW" dirty="0">
+                <a:latin typeface="微軟正黑體" panose="020B0604030504040204" pitchFamily="34" charset="-120"/>
+                <a:ea typeface="微軟正黑體" panose="020B0604030504040204" pitchFamily="34" charset="-120"/>
+                <a:hlinkClick r:id="rId2"/>
+              </a:rPr>
+              <a:t>https://mariadb.com/downloads/</a:t>
+            </a:r>
+            <a:endParaRPr lang="en-US" altLang="zh-TW" dirty="0">
+              <a:latin typeface="微軟正黑體" panose="020B0604030504040204" pitchFamily="34" charset="-120"/>
+              <a:ea typeface="微軟正黑體" panose="020B0604030504040204" pitchFamily="34" charset="-120"/>
+            </a:endParaRPr>
+          </a:p>
+          <a:p>
+            <a:pPr marL="0" indent="0">
+              <a:buNone/>
+            </a:pPr>
+            <a:endParaRPr lang="zh-TW" altLang="en-US" dirty="0">
+              <a:latin typeface="微軟正黑體" panose="020B0604030504040204" pitchFamily="34" charset="-120"/>
+              <a:ea typeface="微軟正黑體" panose="020B0604030504040204" pitchFamily="34" charset="-120"/>
+            </a:endParaRPr>
+          </a:p>
+        </p:txBody>
+      </p:sp>
+      <p:pic>
+        <p:nvPicPr>
+          <p:cNvPr id="5" name="圖片 4">
+            <a:extLst>
+              <a:ext uri="{FF2B5EF4-FFF2-40B4-BE49-F238E27FC236}">
+                <a16:creationId xmlns:a16="http://schemas.microsoft.com/office/drawing/2014/main" id="{78FA1E03-C663-4983-BBE9-10F4D67C006B}"/>
+              </a:ext>
+            </a:extLst>
+          </p:cNvPr>
+          <p:cNvPicPr>
+            <a:picLocks noChangeAspect="1"/>
+          </p:cNvPicPr>
+          <p:nvPr/>
+        </p:nvPicPr>
+        <p:blipFill>
+          <a:blip r:embed="rId3"/>
+          <a:stretch>
+            <a:fillRect/>
+          </a:stretch>
+        </p:blipFill>
+        <p:spPr>
+          <a:xfrm>
+            <a:off x="3053031" y="2383604"/>
+            <a:ext cx="9031587" cy="4375163"/>
+          </a:xfrm>
+          <a:prstGeom prst="rect">
+            <a:avLst/>
+          </a:prstGeom>
+        </p:spPr>
+      </p:pic>
+    </p:spTree>
+    <p:extLst>
+      <p:ext uri="{BB962C8B-B14F-4D97-AF65-F5344CB8AC3E}">
+        <p14:creationId xmlns:p14="http://schemas.microsoft.com/office/powerpoint/2010/main" val="4179734210"/>
+      </p:ext>
+    </p:extLst>
+  </p:cSld>
+  <p:clrMapOvr>
+    <a:masterClrMapping/>
+  </p:clrMapOvr>
+</p:sld>
+</file>
+
+<file path=ppt/slides/slide14.xml><?xml version="1.0" encoding="utf-8"?>
+<p:sld xmlns:a="http://schemas.openxmlformats.org/drawingml/2006/main" xmlns:r="http://schemas.openxmlformats.org/officeDocument/2006/relationships" xmlns:p="http://schemas.openxmlformats.org/presentationml/2006/main">
+  <p:cSld>
+    <p:spTree>
+      <p:nvGrpSpPr>
+        <p:cNvPr id="1" name=""/>
+        <p:cNvGrpSpPr/>
+        <p:nvPr/>
+      </p:nvGrpSpPr>
+      <p:grpSpPr>
+        <a:xfrm>
+          <a:off x="0" y="0"/>
+          <a:ext cx="0" cy="0"/>
+          <a:chOff x="0" y="0"/>
+          <a:chExt cx="0" cy="0"/>
+        </a:xfrm>
+      </p:grpSpPr>
+      <p:sp>
+        <p:nvSpPr>
+          <p:cNvPr id="2" name="標題 1">
+            <a:extLst>
+              <a:ext uri="{FF2B5EF4-FFF2-40B4-BE49-F238E27FC236}">
                 <a16:creationId xmlns:a16="http://schemas.microsoft.com/office/drawing/2014/main" id="{77FBB6CC-E2C4-4A44-8005-B3EAC2477F5F}"/>
               </a:ext>
             </a:extLst>
@@ -5074,7 +5647,7 @@
           <p:cNvPr id="2" name="標題 1">
             <a:extLst>
               <a:ext uri="{FF2B5EF4-FFF2-40B4-BE49-F238E27FC236}">
-                <a16:creationId xmlns:a16="http://schemas.microsoft.com/office/drawing/2014/main" id="{B56D472D-BD72-41CE-A2F4-33ECFD1A7977}"/>
+                <a16:creationId xmlns:a16="http://schemas.microsoft.com/office/drawing/2014/main" id="{CAA5E2E4-8134-4A1F-8C9A-F712060833AC}"/>
               </a:ext>
             </a:extLst>
           </p:cNvPr>
@@ -5091,16 +5664,10 @@
           <a:lstStyle/>
           <a:p>
             <a:r>
-              <a:rPr lang="en-US" altLang="zh-TW" dirty="0">
-                <a:latin typeface="微軟正黑體" panose="020B0604030504040204" pitchFamily="34" charset="-120"/>
-                <a:ea typeface="微軟正黑體" panose="020B0604030504040204" pitchFamily="34" charset="-120"/>
-              </a:rPr>
-              <a:t>Spring Tools 4</a:t>
-            </a:r>
-            <a:endParaRPr lang="zh-TW" altLang="en-US" dirty="0">
-              <a:latin typeface="微軟正黑體" panose="020B0604030504040204" pitchFamily="34" charset="-120"/>
-              <a:ea typeface="微軟正黑體" panose="020B0604030504040204" pitchFamily="34" charset="-120"/>
-            </a:endParaRPr>
+              <a:rPr lang="en-US" altLang="zh-TW" dirty="0"/>
+              <a:t>Maven</a:t>
+            </a:r>
+            <a:endParaRPr lang="zh-TW" altLang="en-US" dirty="0"/>
           </a:p>
         </p:txBody>
       </p:sp>
@@ -5109,7 +5676,7 @@
           <p:cNvPr id="3" name="內容版面配置區 2">
             <a:extLst>
               <a:ext uri="{FF2B5EF4-FFF2-40B4-BE49-F238E27FC236}">
-                <a16:creationId xmlns:a16="http://schemas.microsoft.com/office/drawing/2014/main" id="{00DA45DD-5E61-4C66-B3FD-2A04304E22F2}"/>
+                <a16:creationId xmlns:a16="http://schemas.microsoft.com/office/drawing/2014/main" id="{46A0C68F-D7DD-457B-BA6C-16A28DCA717F}"/>
               </a:ext>
             </a:extLst>
           </p:cNvPr>
@@ -5126,30 +5693,16 @@
           <a:lstStyle/>
           <a:p>
             <a:r>
+              <a:rPr lang="en-US" altLang="zh-TW" dirty="0"/>
+              <a:t>Maven: </a:t>
+            </a:r>
+            <a:r>
               <a:rPr lang="en-US" altLang="zh-TW" dirty="0">
-                <a:latin typeface="微軟正黑體" panose="020B0604030504040204" pitchFamily="34" charset="-120"/>
-                <a:ea typeface="微軟正黑體" panose="020B0604030504040204" pitchFamily="34" charset="-120"/>
-              </a:rPr>
-              <a:t>STS4: </a:t>
-            </a:r>
-            <a:r>
-              <a:rPr lang="en-US" altLang="zh-TW" dirty="0">
-                <a:latin typeface="微軟正黑體" panose="020B0604030504040204" pitchFamily="34" charset="-120"/>
-                <a:ea typeface="微軟正黑體" panose="020B0604030504040204" pitchFamily="34" charset="-120"/>
                 <a:hlinkClick r:id="rId2"/>
               </a:rPr>
-              <a:t>https://spring.io/tools</a:t>
-            </a:r>
-            <a:endParaRPr lang="en-US" altLang="zh-TW" dirty="0">
-              <a:latin typeface="微軟正黑體" panose="020B0604030504040204" pitchFamily="34" charset="-120"/>
-              <a:ea typeface="微軟正黑體" panose="020B0604030504040204" pitchFamily="34" charset="-120"/>
-            </a:endParaRPr>
-          </a:p>
-          <a:p>
-            <a:endParaRPr lang="zh-TW" altLang="en-US" dirty="0">
-              <a:latin typeface="微軟正黑體" panose="020B0604030504040204" pitchFamily="34" charset="-120"/>
-              <a:ea typeface="微軟正黑體" panose="020B0604030504040204" pitchFamily="34" charset="-120"/>
-            </a:endParaRPr>
+              <a:t>https://maven.apache.org/download.cgi</a:t>
+            </a:r>
+            <a:endParaRPr lang="en-US" altLang="zh-TW" dirty="0"/>
           </a:p>
         </p:txBody>
       </p:sp>
@@ -5158,7 +5711,7 @@
           <p:cNvPr id="5" name="圖片 4">
             <a:extLst>
               <a:ext uri="{FF2B5EF4-FFF2-40B4-BE49-F238E27FC236}">
-                <a16:creationId xmlns:a16="http://schemas.microsoft.com/office/drawing/2014/main" id="{913C15D9-3D42-47A3-8307-D17E329C91D4}"/>
+                <a16:creationId xmlns:a16="http://schemas.microsoft.com/office/drawing/2014/main" id="{128C51E6-5C2D-4A5A-9F1D-186B8188A83E}"/>
               </a:ext>
             </a:extLst>
           </p:cNvPr>
@@ -5175,8 +5728,8 @@
         </p:blipFill>
         <p:spPr>
           <a:xfrm>
-            <a:off x="3452116" y="2288204"/>
-            <a:ext cx="8739883" cy="4569796"/>
+            <a:off x="95118" y="2475416"/>
+            <a:ext cx="12062723" cy="2507551"/>
           </a:xfrm>
           <a:prstGeom prst="rect">
             <a:avLst/>
@@ -5186,7 +5739,7 @@
     </p:spTree>
     <p:extLst>
       <p:ext uri="{BB962C8B-B14F-4D97-AF65-F5344CB8AC3E}">
-        <p14:creationId xmlns:p14="http://schemas.microsoft.com/office/powerpoint/2010/main" val="3784379638"/>
+        <p14:creationId xmlns:p14="http://schemas.microsoft.com/office/powerpoint/2010/main" val="3825459481"/>
       </p:ext>
     </p:extLst>
   </p:cSld>
@@ -5218,7 +5771,7 @@
           <p:cNvPr id="2" name="標題 1">
             <a:extLst>
               <a:ext uri="{FF2B5EF4-FFF2-40B4-BE49-F238E27FC236}">
-                <a16:creationId xmlns:a16="http://schemas.microsoft.com/office/drawing/2014/main" id="{B4B94FB6-6D0E-4F4B-8FF0-EB6DEF32E396}"/>
+                <a16:creationId xmlns:a16="http://schemas.microsoft.com/office/drawing/2014/main" id="{7899A877-3F01-4C80-9517-0B36060DB8F4}"/>
               </a:ext>
             </a:extLst>
           </p:cNvPr>
@@ -5235,16 +5788,10 @@
           <a:lstStyle/>
           <a:p>
             <a:r>
-              <a:rPr lang="en-US" altLang="zh-TW" dirty="0">
-                <a:latin typeface="微軟正黑體" panose="020B0604030504040204" pitchFamily="34" charset="-120"/>
-                <a:ea typeface="微軟正黑體" panose="020B0604030504040204" pitchFamily="34" charset="-120"/>
-              </a:rPr>
-              <a:t>Spring io</a:t>
-            </a:r>
-            <a:endParaRPr lang="zh-TW" altLang="en-US" dirty="0">
-              <a:latin typeface="微軟正黑體" panose="020B0604030504040204" pitchFamily="34" charset="-120"/>
-              <a:ea typeface="微軟正黑體" panose="020B0604030504040204" pitchFamily="34" charset="-120"/>
-            </a:endParaRPr>
+              <a:rPr lang="en-US" altLang="zh-TW" dirty="0"/>
+              <a:t>Maven</a:t>
+            </a:r>
+            <a:endParaRPr lang="zh-TW" altLang="en-US" dirty="0"/>
           </a:p>
         </p:txBody>
       </p:sp>
@@ -5253,7 +5800,7 @@
           <p:cNvPr id="3" name="內容版面配置區 2">
             <a:extLst>
               <a:ext uri="{FF2B5EF4-FFF2-40B4-BE49-F238E27FC236}">
-                <a16:creationId xmlns:a16="http://schemas.microsoft.com/office/drawing/2014/main" id="{D1CDADED-2E9D-4B69-B2E2-4A93DC1EC11E}"/>
+                <a16:creationId xmlns:a16="http://schemas.microsoft.com/office/drawing/2014/main" id="{55221CE2-0EE2-4C57-922E-3688A0B9C7ED}"/>
               </a:ext>
             </a:extLst>
           </p:cNvPr>
@@ -5270,43 +5817,53 @@
           <a:lstStyle/>
           <a:p>
             <a:r>
-              <a:rPr lang="en-US" altLang="zh-TW" dirty="0">
-                <a:latin typeface="微軟正黑體" panose="020B0604030504040204" pitchFamily="34" charset="-120"/>
-                <a:ea typeface="微軟正黑體" panose="020B0604030504040204" pitchFamily="34" charset="-120"/>
-              </a:rPr>
-              <a:t>Spring io: </a:t>
-            </a:r>
-            <a:r>
-              <a:rPr lang="en-US" altLang="zh-TW" dirty="0">
-                <a:latin typeface="微軟正黑體" panose="020B0604030504040204" pitchFamily="34" charset="-120"/>
-                <a:ea typeface="微軟正黑體" panose="020B0604030504040204" pitchFamily="34" charset="-120"/>
-                <a:hlinkClick r:id="rId2"/>
-              </a:rPr>
-              <a:t>https://start.spring.io/</a:t>
-            </a:r>
-            <a:endParaRPr lang="en-US" altLang="zh-TW" dirty="0">
-              <a:latin typeface="微軟正黑體" panose="020B0604030504040204" pitchFamily="34" charset="-120"/>
-              <a:ea typeface="微軟正黑體" panose="020B0604030504040204" pitchFamily="34" charset="-120"/>
-            </a:endParaRPr>
-          </a:p>
-          <a:p>
-            <a:r>
-              <a:rPr lang="zh-TW" altLang="en-US" sz="1800" dirty="0">
-                <a:latin typeface="微軟正黑體" panose="020B0604030504040204" pitchFamily="34" charset="-120"/>
-                <a:ea typeface="微軟正黑體" panose="020B0604030504040204" pitchFamily="34" charset="-120"/>
-              </a:rPr>
-              <a:t>先加入網頁遊覽器到我的最愛</a:t>
-            </a:r>
-            <a:endParaRPr lang="en-US" altLang="zh-TW" sz="1800" dirty="0">
-              <a:latin typeface="微軟正黑體" panose="020B0604030504040204" pitchFamily="34" charset="-120"/>
-              <a:ea typeface="微軟正黑體" panose="020B0604030504040204" pitchFamily="34" charset="-120"/>
-            </a:endParaRPr>
-          </a:p>
-          <a:p>
-            <a:endParaRPr lang="zh-TW" altLang="en-US" dirty="0">
-              <a:latin typeface="微軟正黑體" panose="020B0604030504040204" pitchFamily="34" charset="-120"/>
-              <a:ea typeface="微軟正黑體" panose="020B0604030504040204" pitchFamily="34" charset="-120"/>
-            </a:endParaRPr>
+              <a:rPr lang="zh-TW" altLang="en-US" dirty="0"/>
+              <a:t>下載後解壓縮到指定位置</a:t>
+            </a:r>
+            <a:endParaRPr lang="en-US" altLang="zh-TW" dirty="0"/>
+          </a:p>
+          <a:p>
+            <a:r>
+              <a:rPr lang="zh-TW" altLang="en-US" dirty="0"/>
+              <a:t>建議預設路徑</a:t>
+            </a:r>
+            <a:r>
+              <a:rPr lang="en-US" altLang="zh-TW" dirty="0"/>
+              <a:t>:</a:t>
+            </a:r>
+            <a:r>
+              <a:rPr lang="zh-TW" altLang="en-US" dirty="0"/>
+              <a:t> </a:t>
+            </a:r>
+            <a:r>
+              <a:rPr lang="en-US" altLang="zh-TW" dirty="0"/>
+              <a:t>C:\Users\user-name\Documents(</a:t>
+            </a:r>
+            <a:r>
+              <a:rPr lang="zh-TW" altLang="en-US" dirty="0"/>
+              <a:t>文件內</a:t>
+            </a:r>
+            <a:r>
+              <a:rPr lang="en-US" altLang="zh-TW" dirty="0"/>
+              <a:t>)</a:t>
+            </a:r>
+          </a:p>
+          <a:p>
+            <a:endParaRPr lang="en-US" altLang="zh-TW" dirty="0"/>
+          </a:p>
+          <a:p>
+            <a:r>
+              <a:rPr lang="zh-TW" altLang="en-US" dirty="0"/>
+              <a:t>在</a:t>
+            </a:r>
+            <a:r>
+              <a:rPr lang="en-US" altLang="zh-TW" dirty="0"/>
+              <a:t>windows </a:t>
+            </a:r>
+            <a:r>
+              <a:rPr lang="zh-TW" altLang="en-US" dirty="0"/>
+              <a:t>環境變數中添加</a:t>
+            </a:r>
           </a:p>
         </p:txBody>
       </p:sp>
@@ -5315,7 +5872,7 @@
           <p:cNvPr id="5" name="圖片 4">
             <a:extLst>
               <a:ext uri="{FF2B5EF4-FFF2-40B4-BE49-F238E27FC236}">
-                <a16:creationId xmlns:a16="http://schemas.microsoft.com/office/drawing/2014/main" id="{E6E56D10-6E58-4786-973B-B89DDE8B191F}"/>
+                <a16:creationId xmlns:a16="http://schemas.microsoft.com/office/drawing/2014/main" id="{7D405A2D-7057-4A49-8BA8-5E7E4897B64F}"/>
               </a:ext>
             </a:extLst>
           </p:cNvPr>
@@ -5325,15 +5882,15 @@
           <p:nvPr/>
         </p:nvPicPr>
         <p:blipFill>
-          <a:blip r:embed="rId3"/>
+          <a:blip r:embed="rId2"/>
           <a:stretch>
             <a:fillRect/>
           </a:stretch>
         </p:blipFill>
         <p:spPr>
           <a:xfrm>
-            <a:off x="4181582" y="2790285"/>
-            <a:ext cx="8010418" cy="4067715"/>
+            <a:off x="7715223" y="2204908"/>
+            <a:ext cx="4226039" cy="4555488"/>
           </a:xfrm>
           <a:prstGeom prst="rect">
             <a:avLst/>
@@ -5343,7 +5900,7 @@
     </p:spTree>
     <p:extLst>
       <p:ext uri="{BB962C8B-B14F-4D97-AF65-F5344CB8AC3E}">
-        <p14:creationId xmlns:p14="http://schemas.microsoft.com/office/powerpoint/2010/main" val="2435749142"/>
+        <p14:creationId xmlns:p14="http://schemas.microsoft.com/office/powerpoint/2010/main" val="3791357464"/>
       </p:ext>
     </p:extLst>
   </p:cSld>
@@ -5375,7 +5932,7 @@
           <p:cNvPr id="2" name="標題 1">
             <a:extLst>
               <a:ext uri="{FF2B5EF4-FFF2-40B4-BE49-F238E27FC236}">
-                <a16:creationId xmlns:a16="http://schemas.microsoft.com/office/drawing/2014/main" id="{1B4D09A5-4B4C-482E-AC5B-8C4218638682}"/>
+                <a16:creationId xmlns:a16="http://schemas.microsoft.com/office/drawing/2014/main" id="{4F12988F-7C63-4282-A314-17C533D4AEB6}"/>
               </a:ext>
             </a:extLst>
           </p:cNvPr>
@@ -5392,20 +5949,10 @@
           <a:lstStyle/>
           <a:p>
             <a:r>
-              <a:rPr lang="en-US" altLang="zh-TW" b="0" i="0" dirty="0">
-                <a:solidFill>
-                  <a:srgbClr val="202124"/>
-                </a:solidFill>
-                <a:effectLst/>
-                <a:latin typeface="微軟正黑體" panose="020B0604030504040204" pitchFamily="34" charset="-120"/>
-                <a:ea typeface="微軟正黑體" panose="020B0604030504040204" pitchFamily="34" charset="-120"/>
-              </a:rPr>
-              <a:t>MariaDB</a:t>
-            </a:r>
-            <a:endParaRPr lang="zh-TW" altLang="en-US" dirty="0">
-              <a:latin typeface="微軟正黑體" panose="020B0604030504040204" pitchFamily="34" charset="-120"/>
-              <a:ea typeface="微軟正黑體" panose="020B0604030504040204" pitchFamily="34" charset="-120"/>
-            </a:endParaRPr>
+              <a:rPr lang="en-US" altLang="zh-TW" dirty="0"/>
+              <a:t>Maven</a:t>
+            </a:r>
+            <a:endParaRPr lang="zh-TW" altLang="en-US" dirty="0"/>
           </a:p>
         </p:txBody>
       </p:sp>
@@ -5414,7 +5961,7 @@
           <p:cNvPr id="3" name="內容版面配置區 2">
             <a:extLst>
               <a:ext uri="{FF2B5EF4-FFF2-40B4-BE49-F238E27FC236}">
-                <a16:creationId xmlns:a16="http://schemas.microsoft.com/office/drawing/2014/main" id="{C0EC3C67-CA43-4DCA-9486-773FAFF4A2F3}"/>
+                <a16:creationId xmlns:a16="http://schemas.microsoft.com/office/drawing/2014/main" id="{DF2A0129-66E0-4919-9111-09361964A7C2}"/>
               </a:ext>
             </a:extLst>
           </p:cNvPr>
@@ -5431,33 +5978,25 @@
           <a:lstStyle/>
           <a:p>
             <a:r>
-              <a:rPr lang="en-US" altLang="zh-TW" dirty="0">
-                <a:latin typeface="微軟正黑體" panose="020B0604030504040204" pitchFamily="34" charset="-120"/>
-                <a:ea typeface="微軟正黑體" panose="020B0604030504040204" pitchFamily="34" charset="-120"/>
-              </a:rPr>
-              <a:t>MariaDB: </a:t>
-            </a:r>
-            <a:r>
-              <a:rPr lang="en-US" altLang="zh-TW" dirty="0">
-                <a:latin typeface="微軟正黑體" panose="020B0604030504040204" pitchFamily="34" charset="-120"/>
-                <a:ea typeface="微軟正黑體" panose="020B0604030504040204" pitchFamily="34" charset="-120"/>
-                <a:hlinkClick r:id="rId2"/>
-              </a:rPr>
-              <a:t>https://mariadb.com/downloads/</a:t>
-            </a:r>
-            <a:endParaRPr lang="en-US" altLang="zh-TW" dirty="0">
-              <a:latin typeface="微軟正黑體" panose="020B0604030504040204" pitchFamily="34" charset="-120"/>
-              <a:ea typeface="微軟正黑體" panose="020B0604030504040204" pitchFamily="34" charset="-120"/>
-            </a:endParaRPr>
-          </a:p>
-          <a:p>
-            <a:pPr marL="0" indent="0">
-              <a:buNone/>
-            </a:pPr>
-            <a:endParaRPr lang="zh-TW" altLang="en-US" dirty="0">
-              <a:latin typeface="微軟正黑體" panose="020B0604030504040204" pitchFamily="34" charset="-120"/>
-              <a:ea typeface="微軟正黑體" panose="020B0604030504040204" pitchFamily="34" charset="-120"/>
-            </a:endParaRPr>
+              <a:rPr lang="zh-TW" altLang="en-US" dirty="0"/>
+              <a:t>配置環境變數 </a:t>
+            </a:r>
+            <a:r>
+              <a:rPr lang="en-US" altLang="zh-TW" dirty="0"/>
+              <a:t>M2_HOME </a:t>
+            </a:r>
+            <a:r>
+              <a:rPr lang="zh-TW" altLang="en-US" dirty="0"/>
+              <a:t>及在</a:t>
+            </a:r>
+            <a:r>
+              <a:rPr lang="en-US" altLang="zh-TW" dirty="0"/>
+              <a:t>Path</a:t>
+            </a:r>
+            <a:r>
+              <a:rPr lang="zh-TW" altLang="en-US" dirty="0"/>
+              <a:t>內添加</a:t>
+            </a:r>
           </a:p>
         </p:txBody>
       </p:sp>
@@ -5466,7 +6005,7 @@
           <p:cNvPr id="5" name="圖片 4">
             <a:extLst>
               <a:ext uri="{FF2B5EF4-FFF2-40B4-BE49-F238E27FC236}">
-                <a16:creationId xmlns:a16="http://schemas.microsoft.com/office/drawing/2014/main" id="{78FA1E03-C663-4983-BBE9-10F4D67C006B}"/>
+                <a16:creationId xmlns:a16="http://schemas.microsoft.com/office/drawing/2014/main" id="{2A5E6860-B9E2-40A7-AF70-CBF00A86EEF7}"/>
               </a:ext>
             </a:extLst>
           </p:cNvPr>
@@ -5476,15 +6015,44 @@
           <p:nvPr/>
         </p:nvPicPr>
         <p:blipFill>
-          <a:blip r:embed="rId3"/>
+          <a:blip r:embed="rId2"/>
           <a:stretch>
             <a:fillRect/>
           </a:stretch>
         </p:blipFill>
         <p:spPr>
           <a:xfrm>
-            <a:off x="3053031" y="2383604"/>
-            <a:ext cx="9031587" cy="4375163"/>
+            <a:off x="133565" y="2784014"/>
+            <a:ext cx="4410045" cy="4023360"/>
+          </a:xfrm>
+          <a:prstGeom prst="rect">
+            <a:avLst/>
+          </a:prstGeom>
+        </p:spPr>
+      </p:pic>
+      <p:pic>
+        <p:nvPicPr>
+          <p:cNvPr id="9" name="圖片 8">
+            <a:extLst>
+              <a:ext uri="{FF2B5EF4-FFF2-40B4-BE49-F238E27FC236}">
+                <a16:creationId xmlns:a16="http://schemas.microsoft.com/office/drawing/2014/main" id="{4BBAF5AF-5752-481E-8A14-48FF0CF97A37}"/>
+              </a:ext>
+            </a:extLst>
+          </p:cNvPr>
+          <p:cNvPicPr>
+            <a:picLocks noChangeAspect="1"/>
+          </p:cNvPicPr>
+          <p:nvPr/>
+        </p:nvPicPr>
+        <p:blipFill rotWithShape="1">
+          <a:blip r:embed="rId3"/>
+          <a:srcRect r="9174"/>
+          <a:stretch/>
+        </p:blipFill>
+        <p:spPr>
+          <a:xfrm>
+            <a:off x="6770327" y="3429000"/>
+            <a:ext cx="5421673" cy="3378374"/>
           </a:xfrm>
           <a:prstGeom prst="rect">
             <a:avLst/>
@@ -5494,7 +6062,7 @@
     </p:spTree>
     <p:extLst>
       <p:ext uri="{BB962C8B-B14F-4D97-AF65-F5344CB8AC3E}">
-        <p14:creationId xmlns:p14="http://schemas.microsoft.com/office/powerpoint/2010/main" val="4179734210"/>
+        <p14:creationId xmlns:p14="http://schemas.microsoft.com/office/powerpoint/2010/main" val="1130702783"/>
       </p:ext>
     </p:extLst>
   </p:cSld>
@@ -5545,22 +6113,22 @@
         <a:srgbClr val="8C8C8C"/>
       </a:folHlink>
     </a:clrScheme>
-    <a:fontScheme name="回顧">
+    <a:fontScheme name="Arial">
       <a:majorFont>
-        <a:latin typeface="Calibri Light" panose="020F0302020204030204"/>
+        <a:latin typeface="Arial" panose="020B0604020202020204"/>
         <a:ea typeface=""/>
         <a:cs typeface=""/>
         <a:font script="Jpan" typeface="ＭＳ Ｐゴシック"/>
-        <a:font script="Hang" typeface="맑은 고딕"/>
-        <a:font script="Hans" typeface="宋体"/>
-        <a:font script="Hant" typeface="新細明體"/>
-        <a:font script="Arab" typeface="Times New Roman"/>
-        <a:font script="Hebr" typeface="Times New Roman"/>
-        <a:font script="Thai" typeface="Angsana New"/>
+        <a:font script="Hang" typeface="굴림"/>
+        <a:font script="Hans" typeface="黑体"/>
+        <a:font script="Hant" typeface="微軟正黑體"/>
+        <a:font script="Arab" typeface="Arial"/>
+        <a:font script="Hebr" typeface="Arial"/>
+        <a:font script="Thai" typeface="Cordia New"/>
         <a:font script="Ethi" typeface="Nyala"/>
         <a:font script="Beng" typeface="Vrinda"/>
         <a:font script="Gujr" typeface="Shruti"/>
-        <a:font script="Khmr" typeface="MoolBoran"/>
+        <a:font script="Khmr" typeface="DaunPenh"/>
         <a:font script="Knda" typeface="Tunga"/>
         <a:font script="Guru" typeface="Raavi"/>
         <a:font script="Cans" typeface="Euphemia"/>
@@ -5577,18 +6145,18 @@
         <a:font script="Laoo" typeface="DokChampa"/>
         <a:font script="Sinh" typeface="Iskoola Pota"/>
         <a:font script="Mong" typeface="Mongolian Baiti"/>
-        <a:font script="Viet" typeface="Times New Roman"/>
+        <a:font script="Viet" typeface="Arial"/>
         <a:font script="Uigh" typeface="Microsoft Uighur"/>
         <a:font script="Geor" typeface="Sylfaen"/>
       </a:majorFont>
       <a:minorFont>
-        <a:latin typeface="Calibri" panose="020F0502020204030204"/>
+        <a:latin typeface="Arial" panose="020B0604020202020204"/>
         <a:ea typeface=""/>
         <a:cs typeface=""/>
         <a:font script="Jpan" typeface="ＭＳ Ｐゴシック"/>
-        <a:font script="Hang" typeface="맑은 고딕"/>
-        <a:font script="Hans" typeface="宋体"/>
-        <a:font script="Hant" typeface="新細明體"/>
+        <a:font script="Hang" typeface="굴림"/>
+        <a:font script="Hans" typeface="黑体"/>
+        <a:font script="Hant" typeface="微軟正黑體"/>
         <a:font script="Arab" typeface="Arial"/>
         <a:font script="Hebr" typeface="Arial"/>
         <a:font script="Thai" typeface="Cordia New"/>
